--- a/System kontroli wersji GIT.pptx
+++ b/System kontroli wersji GIT.pptx
@@ -10132,32 +10132,6 @@
       </p:sp>
       <p:pic>
         <p:nvPicPr>
-          <p:cNvPr id="11" name="Symbol zastępczy zawartości 10"/>
-          <p:cNvPicPr>
-            <a:picLocks noGrp="1" noChangeAspect="1"/>
-          </p:cNvPicPr>
-          <p:nvPr>
-            <p:ph idx="1"/>
-          </p:nvPr>
-        </p:nvPicPr>
-        <p:blipFill>
-          <a:blip r:embed="rId2"/>
-          <a:stretch>
-            <a:fillRect/>
-          </a:stretch>
-        </p:blipFill>
-        <p:spPr>
-          <a:xfrm>
-            <a:off x="7431835" y="1930399"/>
-            <a:ext cx="3947363" cy="3881437"/>
-          </a:xfrm>
-          <a:prstGeom prst="rect">
-            <a:avLst/>
-          </a:prstGeom>
-        </p:spPr>
-      </p:pic>
-      <p:pic>
-        <p:nvPicPr>
           <p:cNvPr id="12" name="Obraz 11"/>
           <p:cNvPicPr>
             <a:picLocks noChangeAspect="1"/>
@@ -10165,7 +10139,7 @@
           <p:nvPr/>
         </p:nvPicPr>
         <p:blipFill>
-          <a:blip r:embed="rId3"/>
+          <a:blip r:embed="rId2"/>
           <a:stretch>
             <a:fillRect/>
           </a:stretch>
@@ -10189,7 +10163,7 @@
           <p:nvPr/>
         </p:nvPicPr>
         <p:blipFill>
-          <a:blip r:embed="rId4"/>
+          <a:blip r:embed="rId3"/>
           <a:stretch>
             <a:fillRect/>
           </a:stretch>
@@ -10206,11 +10180,37 @@
       </p:pic>
       <p:pic>
         <p:nvPicPr>
-          <p:cNvPr id="15" name="Obraz 14"/>
+          <p:cNvPr id="3" name="Obraz 2"/>
           <p:cNvPicPr>
             <a:picLocks noChangeAspect="1"/>
           </p:cNvPicPr>
           <p:nvPr/>
+        </p:nvPicPr>
+        <p:blipFill>
+          <a:blip r:embed="rId4"/>
+          <a:stretch>
+            <a:fillRect/>
+          </a:stretch>
+        </p:blipFill>
+        <p:spPr>
+          <a:xfrm>
+            <a:off x="3475958" y="3375238"/>
+            <a:ext cx="4998581" cy="3227430"/>
+          </a:xfrm>
+          <a:prstGeom prst="rect">
+            <a:avLst/>
+          </a:prstGeom>
+        </p:spPr>
+      </p:pic>
+      <p:pic>
+        <p:nvPicPr>
+          <p:cNvPr id="14" name="Symbol zastępczy zawartości 10"/>
+          <p:cNvPicPr>
+            <a:picLocks noGrp="1" noChangeAspect="1"/>
+          </p:cNvPicPr>
+          <p:nvPr>
+            <p:ph idx="1"/>
+          </p:nvPr>
         </p:nvPicPr>
         <p:blipFill>
           <a:blip r:embed="rId5"/>
@@ -10220,8 +10220,8 @@
         </p:blipFill>
         <p:spPr>
           <a:xfrm>
-            <a:off x="3484471" y="1930399"/>
-            <a:ext cx="3947364" cy="3881437"/>
+            <a:off x="7484603" y="1107516"/>
+            <a:ext cx="3947363" cy="3881437"/>
           </a:xfrm>
           <a:prstGeom prst="rect">
             <a:avLst/>
@@ -10279,11 +10279,7 @@
             </a:r>
             <a:r>
               <a:rPr lang="pl-PL" dirty="0" smtClean="0"/>
-              <a:t> </a:t>
-            </a:r>
-            <a:r>
-              <a:rPr lang="pl-PL" dirty="0" smtClean="0"/>
-              <a:t>– dodanie klucza</a:t>
+              <a:t> – dodanie klucza</a:t>
             </a:r>
             <a:endParaRPr lang="pl-PL" dirty="0"/>
           </a:p>

--- a/System kontroli wersji GIT.pptx
+++ b/System kontroli wersji GIT.pptx
@@ -10892,7 +10892,12 @@
             <p:ph type="title"/>
           </p:nvPr>
         </p:nvSpPr>
-        <p:spPr/>
+        <p:spPr>
+          <a:xfrm>
+            <a:off x="393129" y="189470"/>
+            <a:ext cx="8596668" cy="1320800"/>
+          </a:xfrm>
+        </p:spPr>
         <p:txBody>
           <a:bodyPr/>
           <a:lstStyle/>
@@ -10923,7 +10928,7 @@
         </p:blipFill>
         <p:spPr>
           <a:xfrm>
-            <a:off x="677334" y="1355789"/>
+            <a:off x="393129" y="1057339"/>
             <a:ext cx="2295525" cy="1619250"/>
           </a:xfrm>
           <a:prstGeom prst="rect">
@@ -10947,7 +10952,7 @@
         </p:blipFill>
         <p:spPr>
           <a:xfrm>
-            <a:off x="2972859" y="1355789"/>
+            <a:off x="2972859" y="0"/>
             <a:ext cx="7029450" cy="3419475"/>
           </a:xfrm>
           <a:prstGeom prst="rect">
@@ -10957,7 +10962,7 @@
       </p:pic>
       <p:pic>
         <p:nvPicPr>
-          <p:cNvPr id="6" name="Obraz 5"/>
+          <p:cNvPr id="7" name="Obraz 6"/>
           <p:cNvPicPr>
             <a:picLocks noChangeAspect="1"/>
           </p:cNvPicPr>
@@ -10971,8 +10976,8 @@
         </p:blipFill>
         <p:spPr>
           <a:xfrm>
-            <a:off x="1272662" y="3045157"/>
-            <a:ext cx="368290" cy="3460213"/>
+            <a:off x="164500" y="2711446"/>
+            <a:ext cx="4271576" cy="4146554"/>
           </a:xfrm>
           <a:prstGeom prst="rect">
             <a:avLst/>
